--- a/final_task/ПЕРЕЗАПУСК_Data_Analyst_Патрикеев_Михаил_Алексеевич.pptx
+++ b/final_task/ПЕРЕЗАПУСК_Data_Analyst_Патрикеев_Михаил_Алексеевич.pptx
@@ -15,10 +15,12 @@
     <p:sldId id="268" r:id="rId9"/>
     <p:sldId id="265" r:id="rId10"/>
     <p:sldId id="267" r:id="rId11"/>
-    <p:sldId id="266" r:id="rId12"/>
-    <p:sldId id="263" r:id="rId13"/>
-    <p:sldId id="269" r:id="rId14"/>
-    <p:sldId id="270" r:id="rId15"/>
+    <p:sldId id="272" r:id="rId12"/>
+    <p:sldId id="266" r:id="rId13"/>
+    <p:sldId id="263" r:id="rId14"/>
+    <p:sldId id="271" r:id="rId15"/>
+    <p:sldId id="269" r:id="rId16"/>
+    <p:sldId id="270" r:id="rId17"/>
   </p:sldIdLst>
   <p:sldSz cx="12192000" cy="6858000"/>
   <p:notesSz cx="6858000" cy="9144000"/>
@@ -1085,7 +1087,7 @@
           <a:p>
             <a:fld id="{4583FB6F-ACA5-4987-9D7D-422181772236}" type="datetimeFigureOut">
               <a:rPr lang="ru-RU" smtClean="0"/>
-              <a:t>20.07.2021</a:t>
+              <a:t>26.07.2021</a:t>
             </a:fld>
             <a:endParaRPr lang="ru-RU"/>
           </a:p>
@@ -2191,7 +2193,7 @@
           <a:p>
             <a:fld id="{4583FB6F-ACA5-4987-9D7D-422181772236}" type="datetimeFigureOut">
               <a:rPr lang="ru-RU" smtClean="0"/>
-              <a:t>20.07.2021</a:t>
+              <a:t>26.07.2021</a:t>
             </a:fld>
             <a:endParaRPr lang="ru-RU"/>
           </a:p>
@@ -2402,7 +2404,7 @@
           <a:p>
             <a:fld id="{4583FB6F-ACA5-4987-9D7D-422181772236}" type="datetimeFigureOut">
               <a:rPr lang="ru-RU" smtClean="0"/>
-              <a:t>20.07.2021</a:t>
+              <a:t>26.07.2021</a:t>
             </a:fld>
             <a:endParaRPr lang="ru-RU"/>
           </a:p>
@@ -2854,13 +2856,13 @@
         </p:spPr>
         <p:txBody>
           <a:bodyPr>
-            <a:normAutofit/>
+            <a:normAutofit fontScale="90000"/>
           </a:bodyPr>
           <a:lstStyle/>
           <a:p>
             <a:r>
               <a:rPr lang="ru-RU" sz="4000" b="1" dirty="0"/>
-              <a:t>Название проекта</a:t>
+              <a:t>Зарплаты Сан-Франциско</a:t>
             </a:r>
           </a:p>
         </p:txBody>
@@ -3097,8 +3099,8 @@
           </a:p>
         </p:txBody>
       </p:sp>
-      <mc:AlternateContent xmlns:mc="http://schemas.openxmlformats.org/markup-compatibility/2006">
-        <mc:Choice xmlns:p14="http://schemas.microsoft.com/office/powerpoint/2010/main" Requires="p14">
+      <mc:AlternateContent xmlns:mc="http://schemas.openxmlformats.org/markup-compatibility/2006" xmlns:p14="http://schemas.microsoft.com/office/powerpoint/2010/main">
+        <mc:Choice Requires="p14">
           <p:contentPart p14:bwMode="auto" r:id="rId2">
             <p14:nvContentPartPr>
               <p14:cNvPr id="5" name="Рукописный ввод 4">
@@ -3117,7 +3119,7 @@
             </p14:xfrm>
           </p:contentPart>
         </mc:Choice>
-        <mc:Fallback>
+        <mc:Fallback xmlns="">
           <p:pic>
             <p:nvPicPr>
               <p:cNvPr id="5" name="Рукописный ввод 4">
@@ -3148,8 +3150,8 @@
           </p:pic>
         </mc:Fallback>
       </mc:AlternateContent>
-      <mc:AlternateContent xmlns:mc="http://schemas.openxmlformats.org/markup-compatibility/2006">
-        <mc:Choice xmlns:p14="http://schemas.microsoft.com/office/powerpoint/2010/main" xmlns:aink="http://schemas.microsoft.com/office/drawing/2016/ink" Requires="p14 aink">
+      <mc:AlternateContent xmlns:mc="http://schemas.openxmlformats.org/markup-compatibility/2006" xmlns:p14="http://schemas.microsoft.com/office/powerpoint/2010/main" xmlns:aink="http://schemas.microsoft.com/office/drawing/2016/ink">
+        <mc:Choice Requires="p14 aink">
           <p:contentPart p14:bwMode="auto" r:id="rId4">
             <p14:nvContentPartPr>
               <p14:cNvPr id="7" name="Рукописный ввод 6">
@@ -3168,7 +3170,7 @@
             </p14:xfrm>
           </p:contentPart>
         </mc:Choice>
-        <mc:Fallback>
+        <mc:Fallback xmlns="">
           <p:pic>
             <p:nvPicPr>
               <p:cNvPr id="7" name="Рукописный ввод 6">
@@ -3199,8 +3201,8 @@
           </p:pic>
         </mc:Fallback>
       </mc:AlternateContent>
-      <mc:AlternateContent xmlns:mc="http://schemas.openxmlformats.org/markup-compatibility/2006">
-        <mc:Choice xmlns:p14="http://schemas.microsoft.com/office/powerpoint/2010/main" xmlns:aink="http://schemas.microsoft.com/office/drawing/2016/ink" Requires="p14 aink">
+      <mc:AlternateContent xmlns:mc="http://schemas.openxmlformats.org/markup-compatibility/2006" xmlns:p14="http://schemas.microsoft.com/office/powerpoint/2010/main" xmlns:aink="http://schemas.microsoft.com/office/drawing/2016/ink">
+        <mc:Choice Requires="p14 aink">
           <p:contentPart p14:bwMode="auto" r:id="rId6">
             <p14:nvContentPartPr>
               <p14:cNvPr id="8" name="Рукописный ввод 7">
@@ -3219,7 +3221,7 @@
             </p14:xfrm>
           </p:contentPart>
         </mc:Choice>
-        <mc:Fallback>
+        <mc:Fallback xmlns="">
           <p:pic>
             <p:nvPicPr>
               <p:cNvPr id="8" name="Рукописный ввод 7">
@@ -3304,10 +3306,10 @@
       </p:sp>
       <p:pic>
         <p:nvPicPr>
-          <p:cNvPr id="6" name="Рисунок 5">
+          <p:cNvPr id="3" name="Рисунок 2">
             <a:extLst>
               <a:ext uri="{FF2B5EF4-FFF2-40B4-BE49-F238E27FC236}">
-                <a16:creationId xmlns:a16="http://schemas.microsoft.com/office/drawing/2014/main" id="{8B59BBBA-7F9B-458B-AA83-2DF5E1A3CC23}"/>
+                <a16:creationId xmlns:a16="http://schemas.microsoft.com/office/drawing/2014/main" id="{A253FCCC-1025-4F7F-A3CD-11B77CCA2C1A}"/>
               </a:ext>
             </a:extLst>
           </p:cNvPr>
@@ -3324,8 +3326,8 @@
         </p:blipFill>
         <p:spPr>
           <a:xfrm>
-            <a:off x="0" y="1723530"/>
-            <a:ext cx="12192000" cy="4769345"/>
+            <a:off x="1584454" y="1704170"/>
+            <a:ext cx="9023091" cy="4788705"/>
           </a:xfrm>
           <a:prstGeom prst="rect">
             <a:avLst/>
@@ -3346,6 +3348,231 @@
 </file>
 
 <file path=ppt/slides/slide11.xml><?xml version="1.0" encoding="utf-8"?>
+<p:sld xmlns:a="http://schemas.openxmlformats.org/drawingml/2006/main" xmlns:r="http://schemas.openxmlformats.org/officeDocument/2006/relationships" xmlns:p="http://schemas.openxmlformats.org/presentationml/2006/main">
+  <p:cSld>
+    <p:spTree>
+      <p:nvGrpSpPr>
+        <p:cNvPr id="1" name=""/>
+        <p:cNvGrpSpPr/>
+        <p:nvPr/>
+      </p:nvGrpSpPr>
+      <p:grpSpPr>
+        <a:xfrm>
+          <a:off x="0" y="0"/>
+          <a:ext cx="0" cy="0"/>
+          <a:chOff x="0" y="0"/>
+          <a:chExt cx="0" cy="0"/>
+        </a:xfrm>
+      </p:grpSpPr>
+      <p:sp>
+        <p:nvSpPr>
+          <p:cNvPr id="2" name="Заголовок 1"/>
+          <p:cNvSpPr>
+            <a:spLocks noGrp="1"/>
+          </p:cNvSpPr>
+          <p:nvPr>
+            <p:ph type="title"/>
+          </p:nvPr>
+        </p:nvSpPr>
+        <p:spPr/>
+        <p:txBody>
+          <a:bodyPr/>
+          <a:lstStyle/>
+          <a:p>
+            <a:r>
+              <a:rPr lang="ru-RU" dirty="0"/>
+              <a:t>Анализ данных</a:t>
+            </a:r>
+          </a:p>
+        </p:txBody>
+      </p:sp>
+      <p:pic>
+        <p:nvPicPr>
+          <p:cNvPr id="3" name="Video_2021-07-26_152920">
+            <a:hlinkClick r:id="" action="ppaction://media"/>
+            <a:extLst>
+              <a:ext uri="{FF2B5EF4-FFF2-40B4-BE49-F238E27FC236}">
+                <a16:creationId xmlns:a16="http://schemas.microsoft.com/office/drawing/2014/main" id="{AC5F2038-ED6A-4B0F-9669-D2A6BB990064}"/>
+              </a:ext>
+            </a:extLst>
+          </p:cNvPr>
+          <p:cNvPicPr>
+            <a:picLocks noChangeAspect="1"/>
+          </p:cNvPicPr>
+          <p:nvPr>
+            <a:videoFile r:link="rId2"/>
+            <p:extLst>
+              <p:ext uri="{DAA4B4D4-6D71-4841-9C94-3DE7FCFB9230}">
+                <p14:media xmlns:p14="http://schemas.microsoft.com/office/powerpoint/2010/main" r:embed="rId1"/>
+              </p:ext>
+            </p:extLst>
+          </p:nvPr>
+        </p:nvPicPr>
+        <p:blipFill>
+          <a:blip r:embed="rId4"/>
+          <a:stretch>
+            <a:fillRect/>
+          </a:stretch>
+        </p:blipFill>
+        <p:spPr>
+          <a:xfrm>
+            <a:off x="628650" y="1409100"/>
+            <a:ext cx="10934700" cy="4762500"/>
+          </a:xfrm>
+          <a:prstGeom prst="rect">
+            <a:avLst/>
+          </a:prstGeom>
+        </p:spPr>
+      </p:pic>
+    </p:spTree>
+    <p:extLst>
+      <p:ext uri="{BB962C8B-B14F-4D97-AF65-F5344CB8AC3E}">
+        <p14:creationId xmlns:p14="http://schemas.microsoft.com/office/powerpoint/2010/main" val="242726436"/>
+      </p:ext>
+    </p:extLst>
+  </p:cSld>
+  <p:clrMapOvr>
+    <a:masterClrMapping/>
+  </p:clrMapOvr>
+  <p:timing>
+    <p:tnLst>
+      <p:par>
+        <p:cTn id="1" dur="indefinite" restart="never" nodeType="tmRoot">
+          <p:childTnLst>
+            <p:seq concurrent="1" nextAc="seek">
+              <p:cTn id="2" dur="indefinite" nodeType="mainSeq">
+                <p:childTnLst>
+                  <p:par>
+                    <p:cTn id="3" fill="hold">
+                      <p:stCondLst>
+                        <p:cond delay="indefinite"/>
+                      </p:stCondLst>
+                      <p:childTnLst>
+                        <p:par>
+                          <p:cTn id="4" fill="hold">
+                            <p:stCondLst>
+                              <p:cond delay="0"/>
+                            </p:stCondLst>
+                            <p:childTnLst>
+                              <p:par>
+                                <p:cTn id="5" presetID="1" presetClass="mediacall" presetSubtype="0" fill="hold" nodeType="clickEffect">
+                                  <p:stCondLst>
+                                    <p:cond delay="0"/>
+                                  </p:stCondLst>
+                                  <p:childTnLst>
+                                    <p:cmd type="call" cmd="playFrom(0.0)">
+                                      <p:cBhvr>
+                                        <p:cTn id="6" dur="30266" fill="hold"/>
+                                        <p:tgtEl>
+                                          <p:spTgt spid="3"/>
+                                        </p:tgtEl>
+                                      </p:cBhvr>
+                                    </p:cmd>
+                                  </p:childTnLst>
+                                </p:cTn>
+                              </p:par>
+                            </p:childTnLst>
+                          </p:cTn>
+                        </p:par>
+                      </p:childTnLst>
+                    </p:cTn>
+                  </p:par>
+                </p:childTnLst>
+              </p:cTn>
+              <p:prevCondLst>
+                <p:cond evt="onPrev" delay="0">
+                  <p:tgtEl>
+                    <p:sldTgt/>
+                  </p:tgtEl>
+                </p:cond>
+              </p:prevCondLst>
+              <p:nextCondLst>
+                <p:cond evt="onNext" delay="0">
+                  <p:tgtEl>
+                    <p:sldTgt/>
+                  </p:tgtEl>
+                </p:cond>
+              </p:nextCondLst>
+            </p:seq>
+            <p:video>
+              <p:cMediaNode vol="80000">
+                <p:cTn id="7" fill="hold" display="0">
+                  <p:stCondLst>
+                    <p:cond delay="indefinite"/>
+                  </p:stCondLst>
+                </p:cTn>
+                <p:tgtEl>
+                  <p:spTgt spid="3"/>
+                </p:tgtEl>
+              </p:cMediaNode>
+            </p:video>
+            <p:seq concurrent="1" nextAc="seek">
+              <p:cTn id="8" restart="whenNotActive" fill="hold" evtFilter="cancelBubble" nodeType="interactiveSeq">
+                <p:stCondLst>
+                  <p:cond evt="onClick" delay="0">
+                    <p:tgtEl>
+                      <p:spTgt spid="3"/>
+                    </p:tgtEl>
+                  </p:cond>
+                </p:stCondLst>
+                <p:endSync evt="end" delay="0">
+                  <p:rtn val="all"/>
+                </p:endSync>
+                <p:childTnLst>
+                  <p:par>
+                    <p:cTn id="9" fill="hold">
+                      <p:stCondLst>
+                        <p:cond delay="0"/>
+                      </p:stCondLst>
+                      <p:childTnLst>
+                        <p:par>
+                          <p:cTn id="10" fill="hold">
+                            <p:stCondLst>
+                              <p:cond delay="0"/>
+                            </p:stCondLst>
+                            <p:childTnLst>
+                              <p:par>
+                                <p:cTn id="11" presetID="2" presetClass="mediacall" presetSubtype="0" fill="hold" nodeType="clickEffect">
+                                  <p:stCondLst>
+                                    <p:cond delay="0"/>
+                                  </p:stCondLst>
+                                  <p:childTnLst>
+                                    <p:cmd type="call" cmd="togglePause">
+                                      <p:cBhvr>
+                                        <p:cTn id="12" dur="1" fill="hold"/>
+                                        <p:tgtEl>
+                                          <p:spTgt spid="3"/>
+                                        </p:tgtEl>
+                                      </p:cBhvr>
+                                    </p:cmd>
+                                  </p:childTnLst>
+                                </p:cTn>
+                              </p:par>
+                            </p:childTnLst>
+                          </p:cTn>
+                        </p:par>
+                      </p:childTnLst>
+                    </p:cTn>
+                  </p:par>
+                </p:childTnLst>
+              </p:cTn>
+              <p:nextCondLst>
+                <p:cond evt="onClick" delay="0">
+                  <p:tgtEl>
+                    <p:spTgt spid="3"/>
+                  </p:tgtEl>
+                </p:cond>
+              </p:nextCondLst>
+            </p:seq>
+          </p:childTnLst>
+        </p:cTn>
+      </p:par>
+    </p:tnLst>
+  </p:timing>
+</p:sld>
+</file>
+
+<file path=ppt/slides/slide12.xml><?xml version="1.0" encoding="utf-8"?>
 <p:sld xmlns:a="http://schemas.openxmlformats.org/drawingml/2006/main" xmlns:r="http://schemas.openxmlformats.org/officeDocument/2006/relationships" xmlns:p="http://schemas.openxmlformats.org/presentationml/2006/main">
   <p:cSld>
     <p:spTree>
@@ -3427,7 +3654,7 @@
 </p:sld>
 </file>
 
-<file path=ppt/slides/slide12.xml><?xml version="1.0" encoding="utf-8"?>
+<file path=ppt/slides/slide13.xml><?xml version="1.0" encoding="utf-8"?>
 <p:sld xmlns:a="http://schemas.openxmlformats.org/drawingml/2006/main" xmlns:r="http://schemas.openxmlformats.org/officeDocument/2006/relationships" xmlns:p="http://schemas.openxmlformats.org/presentationml/2006/main">
   <p:cSld>
     <p:spTree>
@@ -3491,7 +3718,89 @@
 </p:sld>
 </file>
 
-<file path=ppt/slides/slide13.xml><?xml version="1.0" encoding="utf-8"?>
+<file path=ppt/slides/slide14.xml><?xml version="1.0" encoding="utf-8"?>
+<p:sld xmlns:a="http://schemas.openxmlformats.org/drawingml/2006/main" xmlns:r="http://schemas.openxmlformats.org/officeDocument/2006/relationships" xmlns:p="http://schemas.openxmlformats.org/presentationml/2006/main" show="0">
+  <p:cSld>
+    <p:spTree>
+      <p:nvGrpSpPr>
+        <p:cNvPr id="1" name=""/>
+        <p:cNvGrpSpPr/>
+        <p:nvPr/>
+      </p:nvGrpSpPr>
+      <p:grpSpPr>
+        <a:xfrm>
+          <a:off x="0" y="0"/>
+          <a:ext cx="0" cy="0"/>
+          <a:chOff x="0" y="0"/>
+          <a:chExt cx="0" cy="0"/>
+        </a:xfrm>
+      </p:grpSpPr>
+      <p:sp>
+        <p:nvSpPr>
+          <p:cNvPr id="2" name="Заголовок 1"/>
+          <p:cNvSpPr>
+            <a:spLocks noGrp="1"/>
+          </p:cNvSpPr>
+          <p:nvPr>
+            <p:ph type="title"/>
+          </p:nvPr>
+        </p:nvSpPr>
+        <p:spPr/>
+        <p:txBody>
+          <a:bodyPr/>
+          <a:lstStyle/>
+          <a:p>
+            <a:r>
+              <a:rPr lang="ru-RU" dirty="0"/>
+              <a:t>Анализ данных</a:t>
+            </a:r>
+          </a:p>
+        </p:txBody>
+      </p:sp>
+      <p:pic>
+        <p:nvPicPr>
+          <p:cNvPr id="6" name="Рисунок 5">
+            <a:extLst>
+              <a:ext uri="{FF2B5EF4-FFF2-40B4-BE49-F238E27FC236}">
+                <a16:creationId xmlns:a16="http://schemas.microsoft.com/office/drawing/2014/main" id="{8B59BBBA-7F9B-458B-AA83-2DF5E1A3CC23}"/>
+              </a:ext>
+            </a:extLst>
+          </p:cNvPr>
+          <p:cNvPicPr>
+            <a:picLocks noChangeAspect="1"/>
+          </p:cNvPicPr>
+          <p:nvPr/>
+        </p:nvPicPr>
+        <p:blipFill>
+          <a:blip r:embed="rId2"/>
+          <a:stretch>
+            <a:fillRect/>
+          </a:stretch>
+        </p:blipFill>
+        <p:spPr>
+          <a:xfrm>
+            <a:off x="0" y="1723530"/>
+            <a:ext cx="12192000" cy="4769345"/>
+          </a:xfrm>
+          <a:prstGeom prst="rect">
+            <a:avLst/>
+          </a:prstGeom>
+        </p:spPr>
+      </p:pic>
+    </p:spTree>
+    <p:extLst>
+      <p:ext uri="{BB962C8B-B14F-4D97-AF65-F5344CB8AC3E}">
+        <p14:creationId xmlns:p14="http://schemas.microsoft.com/office/powerpoint/2010/main" val="1102963934"/>
+      </p:ext>
+    </p:extLst>
+  </p:cSld>
+  <p:clrMapOvr>
+    <a:masterClrMapping/>
+  </p:clrMapOvr>
+</p:sld>
+</file>
+
+<file path=ppt/slides/slide15.xml><?xml version="1.0" encoding="utf-8"?>
 <p:sld xmlns:a="http://schemas.openxmlformats.org/drawingml/2006/main" xmlns:r="http://schemas.openxmlformats.org/officeDocument/2006/relationships" xmlns:p="http://schemas.openxmlformats.org/presentationml/2006/main" show="0">
   <p:cSld>
     <p:spTree>
@@ -3573,7 +3882,7 @@
 </p:sld>
 </file>
 
-<file path=ppt/slides/slide14.xml><?xml version="1.0" encoding="utf-8"?>
+<file path=ppt/slides/slide16.xml><?xml version="1.0" encoding="utf-8"?>
 <p:sld xmlns:a="http://schemas.openxmlformats.org/drawingml/2006/main" xmlns:r="http://schemas.openxmlformats.org/officeDocument/2006/relationships" xmlns:p="http://schemas.openxmlformats.org/presentationml/2006/main" show="0">
   <p:cSld>
     <p:spTree>
@@ -4039,7 +4348,7 @@
         <p:spPr>
           <a:xfrm>
             <a:off x="838200" y="1825625"/>
-            <a:ext cx="10515600" cy="4351338"/>
+            <a:ext cx="10515600" cy="2312610"/>
           </a:xfrm>
         </p:spPr>
         <p:txBody>
@@ -4091,10 +4400,10 @@
       </p:sp>
       <p:pic>
         <p:nvPicPr>
-          <p:cNvPr id="3" name="Рисунок 2">
+          <p:cNvPr id="4" name="Рисунок 3">
             <a:extLst>
               <a:ext uri="{FF2B5EF4-FFF2-40B4-BE49-F238E27FC236}">
-                <a16:creationId xmlns:a16="http://schemas.microsoft.com/office/drawing/2014/main" id="{992B9794-18B3-4689-A07F-92FFB49BD162}"/>
+                <a16:creationId xmlns:a16="http://schemas.microsoft.com/office/drawing/2014/main" id="{5BD4D4F3-E5D0-4A50-AF8F-50B4B8DA1211}"/>
               </a:ext>
             </a:extLst>
           </p:cNvPr>
@@ -4111,8 +4420,8 @@
         </p:blipFill>
         <p:spPr>
           <a:xfrm>
-            <a:off x="708134" y="4448895"/>
-            <a:ext cx="10775731" cy="1626650"/>
+            <a:off x="377659" y="4277378"/>
+            <a:ext cx="11436681" cy="2312610"/>
           </a:xfrm>
           <a:prstGeom prst="rect">
             <a:avLst/>
